--- a/ saving-face --username 1900Geek@gmail.com/doc/Final Docs/Saving Face Presentation.pptx
+++ b/ saving-face --username 1900Geek@gmail.com/doc/Final Docs/Saving Face Presentation.pptx
@@ -301,7 +301,8 @@
           <a:p>
             <a:fld id="{F95D8FD5-E2F4-44AE-9F82-86CCFA1C09FD}" type="datetimeFigureOut">
               <a:rPr lang="en-US" smtClean="0"/>
-              <a:t>12/5/2013</a:t>
+              <a:pPr/>
+              <a:t>12/10/2013</a:t>
             </a:fld>
             <a:endParaRPr lang="en-US"/>
           </a:p>
@@ -343,6 +344,7 @@
           <a:p>
             <a:fld id="{EAAFB937-5FB2-4993-9518-E0D14564C7D0}" type="slidenum">
               <a:rPr lang="en-US" smtClean="0"/>
+              <a:pPr/>
               <a:t>‹#›</a:t>
             </a:fld>
             <a:endParaRPr lang="en-US"/>
@@ -466,7 +468,8 @@
           <a:p>
             <a:fld id="{F95D8FD5-E2F4-44AE-9F82-86CCFA1C09FD}" type="datetimeFigureOut">
               <a:rPr lang="en-US" smtClean="0"/>
-              <a:t>12/5/2013</a:t>
+              <a:pPr/>
+              <a:t>12/10/2013</a:t>
             </a:fld>
             <a:endParaRPr lang="en-US"/>
           </a:p>
@@ -508,6 +511,7 @@
           <a:p>
             <a:fld id="{EAAFB937-5FB2-4993-9518-E0D14564C7D0}" type="slidenum">
               <a:rPr lang="en-US" smtClean="0"/>
+              <a:pPr/>
               <a:t>‹#›</a:t>
             </a:fld>
             <a:endParaRPr lang="en-US"/>
@@ -641,7 +645,8 @@
           <a:p>
             <a:fld id="{F95D8FD5-E2F4-44AE-9F82-86CCFA1C09FD}" type="datetimeFigureOut">
               <a:rPr lang="en-US" smtClean="0"/>
-              <a:t>12/5/2013</a:t>
+              <a:pPr/>
+              <a:t>12/10/2013</a:t>
             </a:fld>
             <a:endParaRPr lang="en-US"/>
           </a:p>
@@ -683,6 +688,7 @@
           <a:p>
             <a:fld id="{EAAFB937-5FB2-4993-9518-E0D14564C7D0}" type="slidenum">
               <a:rPr lang="en-US" smtClean="0"/>
+              <a:pPr/>
               <a:t>‹#›</a:t>
             </a:fld>
             <a:endParaRPr lang="en-US"/>
@@ -806,7 +812,8 @@
           <a:p>
             <a:fld id="{F95D8FD5-E2F4-44AE-9F82-86CCFA1C09FD}" type="datetimeFigureOut">
               <a:rPr lang="en-US" smtClean="0"/>
-              <a:t>12/5/2013</a:t>
+              <a:pPr/>
+              <a:t>12/10/2013</a:t>
             </a:fld>
             <a:endParaRPr lang="en-US"/>
           </a:p>
@@ -848,6 +855,7 @@
           <a:p>
             <a:fld id="{EAAFB937-5FB2-4993-9518-E0D14564C7D0}" type="slidenum">
               <a:rPr lang="en-US" smtClean="0"/>
+              <a:pPr/>
               <a:t>‹#›</a:t>
             </a:fld>
             <a:endParaRPr lang="en-US"/>
@@ -1047,7 +1055,8 @@
           <a:p>
             <a:fld id="{F95D8FD5-E2F4-44AE-9F82-86CCFA1C09FD}" type="datetimeFigureOut">
               <a:rPr lang="en-US" smtClean="0"/>
-              <a:t>12/5/2013</a:t>
+              <a:pPr/>
+              <a:t>12/10/2013</a:t>
             </a:fld>
             <a:endParaRPr lang="en-US"/>
           </a:p>
@@ -1089,6 +1098,7 @@
           <a:p>
             <a:fld id="{EAAFB937-5FB2-4993-9518-E0D14564C7D0}" type="slidenum">
               <a:rPr lang="en-US" smtClean="0"/>
+              <a:pPr/>
               <a:t>‹#›</a:t>
             </a:fld>
             <a:endParaRPr lang="en-US"/>
@@ -1330,7 +1340,8 @@
           <a:p>
             <a:fld id="{F95D8FD5-E2F4-44AE-9F82-86CCFA1C09FD}" type="datetimeFigureOut">
               <a:rPr lang="en-US" smtClean="0"/>
-              <a:t>12/5/2013</a:t>
+              <a:pPr/>
+              <a:t>12/10/2013</a:t>
             </a:fld>
             <a:endParaRPr lang="en-US"/>
           </a:p>
@@ -1372,6 +1383,7 @@
           <a:p>
             <a:fld id="{EAAFB937-5FB2-4993-9518-E0D14564C7D0}" type="slidenum">
               <a:rPr lang="en-US" smtClean="0"/>
+              <a:pPr/>
               <a:t>‹#›</a:t>
             </a:fld>
             <a:endParaRPr lang="en-US"/>
@@ -1747,7 +1759,8 @@
           <a:p>
             <a:fld id="{F95D8FD5-E2F4-44AE-9F82-86CCFA1C09FD}" type="datetimeFigureOut">
               <a:rPr lang="en-US" smtClean="0"/>
-              <a:t>12/5/2013</a:t>
+              <a:pPr/>
+              <a:t>12/10/2013</a:t>
             </a:fld>
             <a:endParaRPr lang="en-US"/>
           </a:p>
@@ -1789,6 +1802,7 @@
           <a:p>
             <a:fld id="{EAAFB937-5FB2-4993-9518-E0D14564C7D0}" type="slidenum">
               <a:rPr lang="en-US" smtClean="0"/>
+              <a:pPr/>
               <a:t>‹#›</a:t>
             </a:fld>
             <a:endParaRPr lang="en-US"/>
@@ -1860,7 +1874,8 @@
           <a:p>
             <a:fld id="{F95D8FD5-E2F4-44AE-9F82-86CCFA1C09FD}" type="datetimeFigureOut">
               <a:rPr lang="en-US" smtClean="0"/>
-              <a:t>12/5/2013</a:t>
+              <a:pPr/>
+              <a:t>12/10/2013</a:t>
             </a:fld>
             <a:endParaRPr lang="en-US"/>
           </a:p>
@@ -1902,6 +1917,7 @@
           <a:p>
             <a:fld id="{EAAFB937-5FB2-4993-9518-E0D14564C7D0}" type="slidenum">
               <a:rPr lang="en-US" smtClean="0"/>
+              <a:pPr/>
               <a:t>‹#›</a:t>
             </a:fld>
             <a:endParaRPr lang="en-US"/>
@@ -1950,7 +1966,8 @@
           <a:p>
             <a:fld id="{F95D8FD5-E2F4-44AE-9F82-86CCFA1C09FD}" type="datetimeFigureOut">
               <a:rPr lang="en-US" smtClean="0"/>
-              <a:t>12/5/2013</a:t>
+              <a:pPr/>
+              <a:t>12/10/2013</a:t>
             </a:fld>
             <a:endParaRPr lang="en-US"/>
           </a:p>
@@ -1992,6 +2009,7 @@
           <a:p>
             <a:fld id="{EAAFB937-5FB2-4993-9518-E0D14564C7D0}" type="slidenum">
               <a:rPr lang="en-US" smtClean="0"/>
+              <a:pPr/>
               <a:t>‹#›</a:t>
             </a:fld>
             <a:endParaRPr lang="en-US"/>
@@ -2222,7 +2240,8 @@
           <a:p>
             <a:fld id="{F95D8FD5-E2F4-44AE-9F82-86CCFA1C09FD}" type="datetimeFigureOut">
               <a:rPr lang="en-US" smtClean="0"/>
-              <a:t>12/5/2013</a:t>
+              <a:pPr/>
+              <a:t>12/10/2013</a:t>
             </a:fld>
             <a:endParaRPr lang="en-US"/>
           </a:p>
@@ -2264,6 +2283,7 @@
           <a:p>
             <a:fld id="{EAAFB937-5FB2-4993-9518-E0D14564C7D0}" type="slidenum">
               <a:rPr lang="en-US" smtClean="0"/>
+              <a:pPr/>
               <a:t>‹#›</a:t>
             </a:fld>
             <a:endParaRPr lang="en-US"/>
@@ -2470,7 +2490,8 @@
           <a:p>
             <a:fld id="{F95D8FD5-E2F4-44AE-9F82-86CCFA1C09FD}" type="datetimeFigureOut">
               <a:rPr lang="en-US" smtClean="0"/>
-              <a:t>12/5/2013</a:t>
+              <a:pPr/>
+              <a:t>12/10/2013</a:t>
             </a:fld>
             <a:endParaRPr lang="en-US"/>
           </a:p>
@@ -2512,6 +2533,7 @@
           <a:p>
             <a:fld id="{EAAFB937-5FB2-4993-9518-E0D14564C7D0}" type="slidenum">
               <a:rPr lang="en-US" smtClean="0"/>
+              <a:pPr/>
               <a:t>‹#›</a:t>
             </a:fld>
             <a:endParaRPr lang="en-US"/>
@@ -2678,7 +2700,8 @@
           <a:p>
             <a:fld id="{F95D8FD5-E2F4-44AE-9F82-86CCFA1C09FD}" type="datetimeFigureOut">
               <a:rPr lang="en-US" smtClean="0"/>
-              <a:t>12/5/2013</a:t>
+              <a:pPr/>
+              <a:t>12/10/2013</a:t>
             </a:fld>
             <a:endParaRPr lang="en-US"/>
           </a:p>
@@ -2756,6 +2779,7 @@
           <a:p>
             <a:fld id="{EAAFB937-5FB2-4993-9518-E0D14564C7D0}" type="slidenum">
               <a:rPr lang="en-US" smtClean="0"/>
+              <a:pPr/>
               <a:t>‹#›</a:t>
             </a:fld>
             <a:endParaRPr lang="en-US"/>
@@ -7759,12 +7783,12 @@
               <a:t>Combine the vertex information from the depth frames collected into a </a:t>
             </a:r>
             <a:r>
-              <a:rPr lang="en-US" dirty="0" err="1" smtClean="0"/>
-              <a:t>sigle</a:t>
-            </a:r>
-            <a:r>
               <a:rPr lang="en-US" dirty="0" smtClean="0"/>
-              <a:t> model.</a:t>
+              <a:t>single </a:t>
+            </a:r>
+            <a:r>
+              <a:rPr lang="en-US" dirty="0" smtClean="0"/>
+              <a:t>model.</a:t>
             </a:r>
           </a:p>
           <a:p>
